--- a/GNSS/New Microsoft PowerPoint Presentation.pptx
+++ b/GNSS/New Microsoft PowerPoint Presentation.pptx
@@ -138,6 +138,9 @@
           </p14:sldIdLst>
         </p14:section>
       </p14:sectionLst>
+    </p:ext>
+    <p:ext uri="{EFAFB233-063F-42B5-8137-9DF3F51BA10A}">
+      <p15:sldGuideLst xmlns:p15="http://schemas.microsoft.com/office/powerpoint/2012/main"/>
     </p:ext>
   </p:extLst>
 </p:presentation>
@@ -4497,7 +4500,7 @@
         <p:spPr>
           <a:xfrm>
             <a:off x="8177441" y="4540452"/>
-            <a:ext cx="3689985" cy="307777"/>
+            <a:ext cx="3875933" cy="307777"/>
           </a:xfrm>
           <a:prstGeom prst="rect">
             <a:avLst/>
@@ -4516,7 +4519,7 @@
             </a:r>
             <a:r>
               <a:rPr lang="en-US" sz="1400" b="1" dirty="0" smtClean="0"/>
-              <a:t>-23.44 </a:t>
+              <a:t>-68.5859 </a:t>
             </a:r>
             <a:r>
               <a:rPr lang="en-US" sz="1400" dirty="0" err="1" smtClean="0"/>
@@ -4917,7 +4920,7 @@
         <p:spPr>
           <a:xfrm>
             <a:off x="7614734" y="4540452"/>
-            <a:ext cx="3872727" cy="307777"/>
+            <a:ext cx="3967305" cy="307777"/>
           </a:xfrm>
           <a:prstGeom prst="rect">
             <a:avLst/>
@@ -4936,7 +4939,7 @@
             </a:r>
             <a:r>
               <a:rPr lang="en-US" sz="1400" b="1" dirty="0" smtClean="0"/>
-              <a:t>65.7515</a:t>
+              <a:t>236.2453</a:t>
             </a:r>
             <a:r>
               <a:rPr lang="en-US" sz="1400" dirty="0" smtClean="0"/>
